--- a/Document/IoT프로그래밍 4조 최종 발표 및 시연.pptx
+++ b/Document/IoT프로그래밍 4조 최종 발표 및 시연.pptx
@@ -16,14 +16,15 @@
     <p:sldId id="274" r:id="rId10"/>
     <p:sldId id="277" r:id="rId11"/>
     <p:sldId id="270" r:id="rId12"/>
+    <p:sldId id="265" r:id="rId13"/>
   </p:sldIdLst>
   <p:sldSz cx="12192000" cy="6858000"/>
   <p:notesSz cx="6858000" cy="9144000"/>
   <p:embeddedFontLst>
     <p:embeddedFont>
       <p:font typeface="맑은 고딕" panose="020B0503020000020004" pitchFamily="50" charset="-127"/>
-      <p:regular r:id="rId13"/>
-      <p:bold r:id="rId14"/>
+      <p:regular r:id="rId14"/>
+      <p:bold r:id="rId15"/>
     </p:embeddedFont>
   </p:embeddedFontLst>
   <p:defaultTextStyle>
@@ -3896,7 +3897,7 @@
           <a:lstStyle/>
           <a:p>
             <a:pPr algn="ctr"/>
-            <a:endParaRPr lang="ko-KR" altLang="en-US" dirty="0">
+            <a:endParaRPr lang="ko-KR" altLang="en-US" b="1" dirty="0">
               <a:solidFill>
                 <a:schemeClr val="bg1"/>
               </a:solidFill>
@@ -3952,7 +3953,7 @@
           <a:lstStyle/>
           <a:p>
             <a:pPr algn="ctr"/>
-            <a:endParaRPr lang="ko-KR" altLang="en-US" dirty="0">
+            <a:endParaRPr lang="ko-KR" altLang="en-US" b="1" dirty="0">
               <a:solidFill>
                 <a:schemeClr val="tx1">
                   <a:lumMod val="85000"/>
@@ -4011,7 +4012,7 @@
           <a:lstStyle/>
           <a:p>
             <a:pPr algn="ctr"/>
-            <a:endParaRPr lang="ko-KR" altLang="en-US">
+            <a:endParaRPr lang="ko-KR" altLang="en-US" b="1">
               <a:solidFill>
                 <a:schemeClr val="bg1"/>
               </a:solidFill>
@@ -4069,7 +4070,7 @@
           <a:lstStyle/>
           <a:p>
             <a:pPr algn="ctr"/>
-            <a:endParaRPr lang="ko-KR" altLang="en-US">
+            <a:endParaRPr lang="ko-KR" altLang="en-US" b="1">
               <a:solidFill>
                 <a:schemeClr val="tx1">
                   <a:lumMod val="85000"/>
@@ -4095,7 +4096,7 @@
         <p:spPr>
           <a:xfrm>
             <a:off x="1411445" y="1734407"/>
-            <a:ext cx="3089470" cy="1710084"/>
+            <a:ext cx="3089470" cy="1288110"/>
           </a:xfrm>
           <a:prstGeom prst="rect">
             <a:avLst/>
@@ -4117,15 +4118,24 @@
               </a:lnSpc>
             </a:pPr>
             <a:r>
-              <a:rPr lang="ko-KR" altLang="en-US" sz="1600" dirty="0">
+              <a:rPr lang="en-US" altLang="ko-KR" sz="1600" b="1" dirty="0">
                 <a:solidFill>
                   <a:schemeClr val="bg1"/>
                 </a:solidFill>
                 <a:latin typeface="+mn-ea"/>
               </a:rPr>
-              <a:t>내용을 입력하세요</a:t>
-            </a:r>
-            <a:endParaRPr lang="en-US" altLang="ko-KR" sz="1600" dirty="0">
+              <a:t>Dot Matrix </a:t>
+            </a:r>
+            <a:r>
+              <a:rPr lang="ko-KR" altLang="en-US" sz="1600" b="1" dirty="0">
+                <a:solidFill>
+                  <a:schemeClr val="bg1"/>
+                </a:solidFill>
+                <a:latin typeface="+mn-ea"/>
+              </a:rPr>
+              <a:t>관련 함수</a:t>
+            </a:r>
+            <a:endParaRPr lang="en-US" altLang="ko-KR" sz="1600" b="1" dirty="0">
               <a:solidFill>
                 <a:schemeClr val="bg1"/>
               </a:solidFill>
@@ -4139,15 +4149,15 @@
               </a:lnSpc>
             </a:pPr>
             <a:r>
-              <a:rPr lang="ko-KR" altLang="en-US" sz="1600" dirty="0">
+              <a:rPr lang="ko-KR" altLang="en-US" sz="1600" b="1" dirty="0">
                 <a:solidFill>
                   <a:schemeClr val="bg1"/>
                 </a:solidFill>
                 <a:latin typeface="+mn-ea"/>
               </a:rPr>
-              <a:t>내용을 입력하세요</a:t>
-            </a:r>
-            <a:endParaRPr lang="en-US" altLang="ko-KR" sz="1600" dirty="0">
+              <a:t>게임 로직</a:t>
+            </a:r>
+            <a:endParaRPr lang="en-US" altLang="ko-KR" sz="1600" b="1" dirty="0">
               <a:solidFill>
                 <a:schemeClr val="bg1"/>
               </a:solidFill>
@@ -4161,43 +4171,48 @@
               </a:lnSpc>
             </a:pPr>
             <a:r>
-              <a:rPr lang="ko-KR" altLang="en-US" sz="1600" dirty="0">
+              <a:rPr lang="en-US" altLang="ko-KR" sz="1600" b="1" dirty="0">
                 <a:solidFill>
                   <a:schemeClr val="bg1"/>
                 </a:solidFill>
                 <a:latin typeface="+mn-ea"/>
               </a:rPr>
-              <a:t>내용을 입력하세요</a:t>
-            </a:r>
-            <a:endParaRPr lang="en-US" altLang="ko-KR" sz="1600" dirty="0">
+              <a:t>1</a:t>
+            </a:r>
+            <a:r>
+              <a:rPr lang="ko-KR" altLang="en-US" sz="1600" b="1" dirty="0">
+                <a:solidFill>
+                  <a:schemeClr val="bg1"/>
+                </a:solidFill>
+                <a:latin typeface="+mn-ea"/>
+              </a:rPr>
+              <a:t>차 중간 발표 </a:t>
+            </a:r>
+            <a:r>
+              <a:rPr lang="en-US" altLang="ko-KR" sz="1600" b="1" dirty="0">
+                <a:solidFill>
+                  <a:schemeClr val="bg1"/>
+                </a:solidFill>
+                <a:latin typeface="+mn-ea"/>
+              </a:rPr>
+              <a:t>ppt </a:t>
+            </a:r>
+            <a:r>
+              <a:rPr lang="ko-KR" altLang="en-US" sz="1600" b="1" dirty="0">
+                <a:solidFill>
+                  <a:schemeClr val="bg1"/>
+                </a:solidFill>
+                <a:latin typeface="+mn-ea"/>
+              </a:rPr>
+              <a:t>작성과 발표</a:t>
+            </a:r>
+            <a:endParaRPr lang="en-US" altLang="ko-KR" sz="1600" b="1" dirty="0">
               <a:solidFill>
                 <a:schemeClr val="bg1"/>
               </a:solidFill>
               <a:latin typeface="+mn-ea"/>
             </a:endParaRPr>
           </a:p>
-          <a:p>
-            <a:pPr>
-              <a:lnSpc>
-                <a:spcPct val="170000"/>
-              </a:lnSpc>
-            </a:pPr>
-            <a:r>
-              <a:rPr lang="ko-KR" altLang="en-US" sz="1600" dirty="0">
-                <a:solidFill>
-                  <a:schemeClr val="bg1"/>
-                </a:solidFill>
-                <a:latin typeface="+mn-ea"/>
-              </a:rPr>
-              <a:t>내용을 입력하세요</a:t>
-            </a:r>
-            <a:endParaRPr lang="en-US" altLang="ko-KR" sz="1600" dirty="0">
-              <a:solidFill>
-                <a:schemeClr val="bg1"/>
-              </a:solidFill>
-              <a:latin typeface="+mn-ea"/>
-            </a:endParaRPr>
-          </a:p>
         </p:txBody>
       </p:sp>
       <p:sp>
@@ -4214,8 +4229,8 @@
         </p:nvSpPr>
         <p:spPr>
           <a:xfrm>
-            <a:off x="7825891" y="1734407"/>
-            <a:ext cx="2954664" cy="1710084"/>
+            <a:off x="6451446" y="1734407"/>
+            <a:ext cx="4329110" cy="1706686"/>
           </a:xfrm>
           <a:prstGeom prst="rect">
             <a:avLst/>
@@ -4237,7 +4252,7 @@
               </a:lnSpc>
             </a:pPr>
             <a:r>
-              <a:rPr lang="ko-KR" altLang="en-US" sz="1600" dirty="0">
+              <a:rPr lang="en-US" altLang="ko-KR" sz="1600" b="1" dirty="0">
                 <a:solidFill>
                   <a:schemeClr val="tx1">
                     <a:lumMod val="65000"/>
@@ -4246,9 +4261,21 @@
                 </a:solidFill>
                 <a:latin typeface="+mn-ea"/>
               </a:rPr>
-              <a:t>내용을 입력하세요</a:t>
-            </a:r>
-            <a:endParaRPr lang="en-US" altLang="ko-KR" sz="1600" dirty="0">
+              <a:t>CLCD </a:t>
+            </a:r>
+            <a:r>
+              <a:rPr lang="ko-KR" altLang="en-US" sz="1600" b="1" dirty="0">
+                <a:solidFill>
+                  <a:schemeClr val="tx1">
+                    <a:lumMod val="65000"/>
+                    <a:lumOff val="35000"/>
+                  </a:schemeClr>
+                </a:solidFill>
+                <a:latin typeface="+mn-ea"/>
+              </a:rPr>
+              <a:t>관련 함수와 출력 메시지 제어</a:t>
+            </a:r>
+            <a:endParaRPr lang="en-US" altLang="ko-KR" sz="1600" b="1" dirty="0">
               <a:solidFill>
                 <a:schemeClr val="tx1">
                   <a:lumMod val="65000"/>
@@ -4265,7 +4292,7 @@
               </a:lnSpc>
             </a:pPr>
             <a:r>
-              <a:rPr lang="ko-KR" altLang="en-US" sz="1600" dirty="0">
+              <a:rPr lang="ko-KR" altLang="en-US" sz="1600" b="1" dirty="0">
                 <a:solidFill>
                   <a:schemeClr val="tx1">
                     <a:lumMod val="65000"/>
@@ -4274,9 +4301,9 @@
                 </a:solidFill>
                 <a:latin typeface="+mn-ea"/>
               </a:rPr>
-              <a:t>내용을 입력하세요</a:t>
-            </a:r>
-            <a:endParaRPr lang="en-US" altLang="ko-KR" sz="1600" dirty="0">
+              <a:t>게임 로직</a:t>
+            </a:r>
+            <a:endParaRPr lang="en-US" altLang="ko-KR" sz="1600" b="1" dirty="0">
               <a:solidFill>
                 <a:schemeClr val="tx1">
                   <a:lumMod val="65000"/>
@@ -4293,7 +4320,7 @@
               </a:lnSpc>
             </a:pPr>
             <a:r>
-              <a:rPr lang="ko-KR" altLang="en-US" sz="1600" dirty="0">
+              <a:rPr lang="en-US" altLang="ko-KR" sz="1600" b="1" dirty="0">
                 <a:solidFill>
                   <a:schemeClr val="tx1">
                     <a:lumMod val="65000"/>
@@ -4302,9 +4329,45 @@
                 </a:solidFill>
                 <a:latin typeface="+mn-ea"/>
               </a:rPr>
-              <a:t>내용을 입력하세요</a:t>
-            </a:r>
-            <a:endParaRPr lang="en-US" altLang="ko-KR" sz="1600" dirty="0">
+              <a:t>2</a:t>
+            </a:r>
+            <a:r>
+              <a:rPr lang="ko-KR" altLang="en-US" sz="1600" b="1" dirty="0">
+                <a:solidFill>
+                  <a:schemeClr val="tx1">
+                    <a:lumMod val="65000"/>
+                    <a:lumOff val="35000"/>
+                  </a:schemeClr>
+                </a:solidFill>
+                <a:latin typeface="+mn-ea"/>
+              </a:rPr>
+              <a:t>차 중간 발표 </a:t>
+            </a:r>
+            <a:r>
+              <a:rPr lang="en-US" altLang="ko-KR" sz="1600" b="1" dirty="0">
+                <a:solidFill>
+                  <a:schemeClr val="tx1">
+                    <a:lumMod val="65000"/>
+                    <a:lumOff val="35000"/>
+                  </a:schemeClr>
+                </a:solidFill>
+                <a:latin typeface="+mn-ea"/>
+              </a:rPr>
+              <a:t>ppt </a:t>
+            </a:r>
+            <a:r>
+              <a:rPr lang="ko-KR" altLang="en-US" sz="1600" b="1" dirty="0">
+                <a:solidFill>
+                  <a:schemeClr val="tx1">
+                    <a:lumMod val="65000"/>
+                    <a:lumOff val="35000"/>
+                  </a:schemeClr>
+                </a:solidFill>
+                <a:latin typeface="+mn-ea"/>
+              </a:rPr>
+              <a:t>작성과 발표</a:t>
+            </a:r>
+            <a:endParaRPr lang="en-US" altLang="ko-KR" sz="1600" b="1" dirty="0">
               <a:solidFill>
                 <a:schemeClr val="tx1">
                   <a:lumMod val="65000"/>
@@ -4320,19 +4383,7 @@
                 <a:spcPct val="170000"/>
               </a:lnSpc>
             </a:pPr>
-            <a:r>
-              <a:rPr lang="ko-KR" altLang="en-US" sz="1600" dirty="0">
-                <a:solidFill>
-                  <a:schemeClr val="tx1">
-                    <a:lumMod val="65000"/>
-                    <a:lumOff val="35000"/>
-                  </a:schemeClr>
-                </a:solidFill>
-                <a:latin typeface="+mn-ea"/>
-              </a:rPr>
-              <a:t>내용을 입력하세요</a:t>
-            </a:r>
-            <a:endParaRPr lang="en-US" altLang="ko-KR" sz="1600" dirty="0">
+            <a:endParaRPr lang="en-US" altLang="ko-KR" sz="1600" b="1" dirty="0">
               <a:solidFill>
                 <a:schemeClr val="tx1">
                   <a:lumMod val="65000"/>
@@ -4358,8 +4409,8 @@
         </p:nvSpPr>
         <p:spPr>
           <a:xfrm>
-            <a:off x="1411445" y="3955532"/>
-            <a:ext cx="3089470" cy="1710084"/>
+            <a:off x="1411444" y="3955532"/>
+            <a:ext cx="4024155" cy="1910331"/>
           </a:xfrm>
           <a:prstGeom prst="rect">
             <a:avLst/>
@@ -4381,25 +4432,37 @@
               </a:lnSpc>
             </a:pPr>
             <a:r>
-              <a:rPr lang="ko-KR" altLang="en-US" sz="1600" dirty="0">
-                <a:solidFill>
-                  <a:schemeClr val="tx1">
-                    <a:lumMod val="65000"/>
-                    <a:lumOff val="35000"/>
+              <a:rPr lang="en-US" altLang="ko-KR" sz="1800" b="1" i="0" u="none" strike="noStrike" dirty="0">
+                <a:solidFill>
+                  <a:schemeClr val="bg2">
+                    <a:lumMod val="25000"/>
                   </a:schemeClr>
                 </a:solidFill>
-                <a:latin typeface="+mn-ea"/>
-              </a:rPr>
-              <a:t>내용을 입력하세요</a:t>
-            </a:r>
-            <a:endParaRPr lang="en-US" altLang="ko-KR" sz="1600" dirty="0">
+                <a:effectLst/>
+                <a:latin typeface="Arial" panose="020B0604020202020204" pitchFamily="34" charset="0"/>
+              </a:rPr>
+              <a:t>LED </a:t>
+            </a:r>
+            <a:r>
+              <a:rPr lang="ko-KR" altLang="en-US" sz="1800" b="1" i="0" u="none" strike="noStrike" dirty="0">
+                <a:solidFill>
+                  <a:schemeClr val="bg2">
+                    <a:lumMod val="25000"/>
+                  </a:schemeClr>
+                </a:solidFill>
+                <a:effectLst/>
+                <a:latin typeface="Arial" panose="020B0604020202020204" pitchFamily="34" charset="0"/>
+              </a:rPr>
+              <a:t>제어와 상태 표시</a:t>
+            </a:r>
+            <a:endParaRPr lang="en-US" altLang="ko-KR" sz="1800" b="1" i="0" u="none" strike="noStrike" dirty="0">
               <a:solidFill>
-                <a:schemeClr val="tx1">
-                  <a:lumMod val="65000"/>
-                  <a:lumOff val="35000"/>
+                <a:schemeClr val="bg2">
+                  <a:lumMod val="25000"/>
                 </a:schemeClr>
               </a:solidFill>
-              <a:latin typeface="+mn-ea"/>
+              <a:effectLst/>
+              <a:latin typeface="Arial" panose="020B0604020202020204" pitchFamily="34" charset="0"/>
             </a:endParaRPr>
           </a:p>
           <a:p>
@@ -4409,25 +4472,25 @@
               </a:lnSpc>
             </a:pPr>
             <a:r>
-              <a:rPr lang="ko-KR" altLang="en-US" sz="1600" dirty="0">
-                <a:solidFill>
-                  <a:schemeClr val="tx1">
-                    <a:lumMod val="65000"/>
-                    <a:lumOff val="35000"/>
+              <a:rPr lang="ko-KR" altLang="en-US" sz="1800" b="1" i="0" u="none" strike="noStrike" dirty="0">
+                <a:solidFill>
+                  <a:schemeClr val="bg2">
+                    <a:lumMod val="25000"/>
                   </a:schemeClr>
                 </a:solidFill>
-                <a:latin typeface="+mn-ea"/>
-              </a:rPr>
-              <a:t>내용을 입력하세요</a:t>
-            </a:r>
-            <a:endParaRPr lang="en-US" altLang="ko-KR" sz="1600" dirty="0">
+                <a:effectLst/>
+                <a:latin typeface="Arial" panose="020B0604020202020204" pitchFamily="34" charset="0"/>
+              </a:rPr>
+              <a:t>공통 함수</a:t>
+            </a:r>
+            <a:endParaRPr lang="en-US" altLang="ko-KR" sz="1800" b="1" i="0" u="none" strike="noStrike" dirty="0">
               <a:solidFill>
-                <a:schemeClr val="tx1">
-                  <a:lumMod val="65000"/>
-                  <a:lumOff val="35000"/>
+                <a:schemeClr val="bg2">
+                  <a:lumMod val="25000"/>
                 </a:schemeClr>
               </a:solidFill>
-              <a:latin typeface="+mn-ea"/>
+              <a:effectLst/>
+              <a:latin typeface="Arial" panose="020B0604020202020204" pitchFamily="34" charset="0"/>
             </a:endParaRPr>
           </a:p>
           <a:p>
@@ -4437,25 +4500,61 @@
               </a:lnSpc>
             </a:pPr>
             <a:r>
-              <a:rPr lang="ko-KR" altLang="en-US" sz="1600" dirty="0">
-                <a:solidFill>
-                  <a:schemeClr val="tx1">
-                    <a:lumMod val="65000"/>
-                    <a:lumOff val="35000"/>
+              <a:rPr lang="en-US" altLang="ko-KR" sz="1800" b="1" i="0" u="none" strike="noStrike" dirty="0">
+                <a:solidFill>
+                  <a:schemeClr val="bg2">
+                    <a:lumMod val="25000"/>
                   </a:schemeClr>
                 </a:solidFill>
-                <a:latin typeface="+mn-ea"/>
-              </a:rPr>
-              <a:t>내용을 입력하세요</a:t>
-            </a:r>
-            <a:endParaRPr lang="en-US" altLang="ko-KR" sz="1600" dirty="0">
+                <a:effectLst/>
+                <a:latin typeface="Arial" panose="020B0604020202020204" pitchFamily="34" charset="0"/>
+              </a:rPr>
+              <a:t>3</a:t>
+            </a:r>
+            <a:r>
+              <a:rPr lang="ko-KR" altLang="en-US" sz="1800" b="1" i="0" u="none" strike="noStrike" dirty="0">
+                <a:solidFill>
+                  <a:schemeClr val="bg2">
+                    <a:lumMod val="25000"/>
+                  </a:schemeClr>
+                </a:solidFill>
+                <a:effectLst/>
+                <a:latin typeface="Arial" panose="020B0604020202020204" pitchFamily="34" charset="0"/>
+              </a:rPr>
+              <a:t>차 중간 발표 </a:t>
+            </a:r>
+            <a:r>
+              <a:rPr lang="en-US" altLang="ko-KR" sz="1800" b="1" i="0" u="none" strike="noStrike" dirty="0">
+                <a:solidFill>
+                  <a:schemeClr val="bg2">
+                    <a:lumMod val="25000"/>
+                  </a:schemeClr>
+                </a:solidFill>
+                <a:effectLst/>
+                <a:latin typeface="Arial" panose="020B0604020202020204" pitchFamily="34" charset="0"/>
+              </a:rPr>
+              <a:t>ppt </a:t>
+            </a:r>
+            <a:r>
+              <a:rPr lang="ko-KR" altLang="en-US" sz="1800" b="1" i="0" u="none" strike="noStrike" dirty="0">
+                <a:solidFill>
+                  <a:schemeClr val="bg2">
+                    <a:lumMod val="25000"/>
+                  </a:schemeClr>
+                </a:solidFill>
+                <a:effectLst/>
+                <a:latin typeface="Arial" panose="020B0604020202020204" pitchFamily="34" charset="0"/>
+              </a:rPr>
+              <a:t>작성과 발표</a:t>
+            </a:r>
+            <a:endParaRPr lang="en-US" altLang="ko-KR" sz="1800" b="1" i="0" u="none" strike="noStrike" dirty="0">
               <a:solidFill>
-                <a:schemeClr val="tx1">
-                  <a:lumMod val="65000"/>
-                  <a:lumOff val="35000"/>
+                <a:schemeClr val="bg2">
+                  <a:lumMod val="25000"/>
                 </a:schemeClr>
               </a:solidFill>
-              <a:latin typeface="+mn-ea"/>
+              <a:effectLst/>
+              <a:latin typeface="Arial" panose="020B0604020202020204" pitchFamily="34" charset="0"/>
             </a:endParaRPr>
           </a:p>
           <a:p>
@@ -4465,22 +4564,45 @@
               </a:lnSpc>
             </a:pPr>
             <a:r>
-              <a:rPr lang="ko-KR" altLang="en-US" sz="1600" dirty="0">
-                <a:solidFill>
-                  <a:schemeClr val="tx1">
-                    <a:lumMod val="65000"/>
-                    <a:lumOff val="35000"/>
+              <a:rPr lang="ko-KR" altLang="en-US" sz="1800" b="1" i="0" u="none" strike="noStrike" dirty="0">
+                <a:solidFill>
+                  <a:schemeClr val="bg2">
+                    <a:lumMod val="25000"/>
                   </a:schemeClr>
                 </a:solidFill>
-                <a:latin typeface="+mn-ea"/>
-              </a:rPr>
-              <a:t>내용을 입력하세요</a:t>
-            </a:r>
-            <a:endParaRPr lang="en-US" altLang="ko-KR" sz="1600" dirty="0">
+                <a:effectLst/>
+                <a:latin typeface="Arial" panose="020B0604020202020204" pitchFamily="34" charset="0"/>
+              </a:rPr>
+              <a:t>최종 발표 및 시연 </a:t>
+            </a:r>
+            <a:r>
+              <a:rPr lang="en-US" altLang="ko-KR" sz="1800" b="1" i="0" u="none" strike="noStrike" dirty="0">
+                <a:solidFill>
+                  <a:schemeClr val="bg2">
+                    <a:lumMod val="25000"/>
+                  </a:schemeClr>
+                </a:solidFill>
+                <a:effectLst/>
+                <a:latin typeface="Arial" panose="020B0604020202020204" pitchFamily="34" charset="0"/>
+              </a:rPr>
+              <a:t>ppt </a:t>
+            </a:r>
+            <a:r>
+              <a:rPr lang="ko-KR" altLang="en-US" sz="1800" b="1" i="0" u="none" strike="noStrike" dirty="0">
+                <a:solidFill>
+                  <a:schemeClr val="bg2">
+                    <a:lumMod val="25000"/>
+                  </a:schemeClr>
+                </a:solidFill>
+                <a:effectLst/>
+                <a:latin typeface="Arial" panose="020B0604020202020204" pitchFamily="34" charset="0"/>
+              </a:rPr>
+              <a:t>발표</a:t>
+            </a:r>
+            <a:endParaRPr lang="en-US" altLang="ko-KR" sz="1600" b="1" dirty="0">
               <a:solidFill>
-                <a:schemeClr val="tx1">
-                  <a:lumMod val="65000"/>
-                  <a:lumOff val="35000"/>
+                <a:schemeClr val="bg2">
+                  <a:lumMod val="25000"/>
                 </a:schemeClr>
               </a:solidFill>
               <a:latin typeface="+mn-ea"/>
@@ -4502,8 +4624,8 @@
         </p:nvSpPr>
         <p:spPr>
           <a:xfrm>
-            <a:off x="8283091" y="3953387"/>
-            <a:ext cx="2497464" cy="1710084"/>
+            <a:off x="7526867" y="3953387"/>
+            <a:ext cx="3253688" cy="1706686"/>
           </a:xfrm>
           <a:prstGeom prst="rect">
             <a:avLst/>
@@ -4525,15 +4647,24 @@
               </a:lnSpc>
             </a:pPr>
             <a:r>
-              <a:rPr lang="ko-KR" altLang="en-US" sz="1600" dirty="0">
+              <a:rPr lang="en-US" altLang="ko-KR" sz="1600" b="1" dirty="0">
                 <a:solidFill>
                   <a:schemeClr val="bg1"/>
                 </a:solidFill>
                 <a:latin typeface="+mn-ea"/>
               </a:rPr>
-              <a:t>내용을 입력하세요</a:t>
-            </a:r>
-            <a:endParaRPr lang="en-US" altLang="ko-KR" sz="1600" dirty="0">
+              <a:t>FND </a:t>
+            </a:r>
+            <a:r>
+              <a:rPr lang="ko-KR" altLang="en-US" sz="1600" b="1" dirty="0">
+                <a:solidFill>
+                  <a:schemeClr val="bg1"/>
+                </a:solidFill>
+                <a:latin typeface="+mn-ea"/>
+              </a:rPr>
+              <a:t>제어와 숫자 표시</a:t>
+            </a:r>
+            <a:endParaRPr lang="en-US" altLang="ko-KR" sz="1600" b="1" dirty="0">
               <a:solidFill>
                 <a:schemeClr val="bg1"/>
               </a:solidFill>
@@ -4547,15 +4678,15 @@
               </a:lnSpc>
             </a:pPr>
             <a:r>
-              <a:rPr lang="ko-KR" altLang="en-US" sz="1600" dirty="0">
+              <a:rPr lang="ko-KR" altLang="en-US" sz="1600" b="1" dirty="0">
                 <a:solidFill>
                   <a:schemeClr val="bg1"/>
                 </a:solidFill>
                 <a:latin typeface="+mn-ea"/>
               </a:rPr>
-              <a:t>내용을 입력하세요</a:t>
-            </a:r>
-            <a:endParaRPr lang="en-US" altLang="ko-KR" sz="1600" dirty="0">
+              <a:t>공통 함수 및 게임 로직</a:t>
+            </a:r>
+            <a:endParaRPr lang="en-US" altLang="ko-KR" sz="1600" b="1" dirty="0">
               <a:solidFill>
                 <a:schemeClr val="bg1"/>
               </a:solidFill>
@@ -4569,15 +4700,33 @@
               </a:lnSpc>
             </a:pPr>
             <a:r>
-              <a:rPr lang="ko-KR" altLang="en-US" sz="1600" dirty="0">
+              <a:rPr lang="ko-KR" altLang="en-US" sz="1600" b="1" dirty="0">
                 <a:solidFill>
                   <a:schemeClr val="bg1"/>
                 </a:solidFill>
                 <a:latin typeface="+mn-ea"/>
               </a:rPr>
-              <a:t>내용을 입력하세요</a:t>
-            </a:r>
-            <a:endParaRPr lang="en-US" altLang="ko-KR" sz="1600" dirty="0">
+              <a:t>프로젝트 계획 </a:t>
+            </a:r>
+            <a:r>
+              <a:rPr lang="en-US" altLang="ko-KR" sz="1600" b="1" dirty="0">
+                <a:solidFill>
+                  <a:schemeClr val="bg1"/>
+                </a:solidFill>
+                <a:latin typeface="+mn-ea"/>
+              </a:rPr>
+              <a:t>ppt </a:t>
+            </a:r>
+            <a:r>
+              <a:rPr lang="ko-KR" altLang="en-US" sz="1600" b="1" dirty="0">
+                <a:solidFill>
+                  <a:schemeClr val="bg1"/>
+                </a:solidFill>
+                <a:latin typeface="+mn-ea"/>
+              </a:rPr>
+              <a:t>작성과 발표</a:t>
+            </a:r>
+            <a:endParaRPr lang="en-US" altLang="ko-KR" sz="1600" b="1" dirty="0">
               <a:solidFill>
                 <a:schemeClr val="bg1"/>
               </a:solidFill>
@@ -4591,15 +4740,33 @@
               </a:lnSpc>
             </a:pPr>
             <a:r>
-              <a:rPr lang="ko-KR" altLang="en-US" sz="1600" dirty="0">
+              <a:rPr lang="ko-KR" altLang="en-US" sz="1600" b="1" dirty="0">
                 <a:solidFill>
                   <a:schemeClr val="bg1"/>
                 </a:solidFill>
                 <a:latin typeface="+mn-ea"/>
               </a:rPr>
-              <a:t>내용을 입력하세요</a:t>
-            </a:r>
-            <a:endParaRPr lang="en-US" altLang="ko-KR" sz="1600" dirty="0">
+              <a:t>최종 발표 및 시연 </a:t>
+            </a:r>
+            <a:r>
+              <a:rPr lang="en-US" altLang="ko-KR" sz="1600" b="1" dirty="0">
+                <a:solidFill>
+                  <a:schemeClr val="bg1"/>
+                </a:solidFill>
+                <a:latin typeface="+mn-ea"/>
+              </a:rPr>
+              <a:t>ppt </a:t>
+            </a:r>
+            <a:r>
+              <a:rPr lang="ko-KR" altLang="en-US" sz="1600" b="1" dirty="0">
+                <a:solidFill>
+                  <a:schemeClr val="bg1"/>
+                </a:solidFill>
+                <a:latin typeface="+mn-ea"/>
+              </a:rPr>
+              <a:t>작성</a:t>
+            </a:r>
+            <a:endParaRPr lang="en-US" altLang="ko-KR" sz="1600" b="1" dirty="0">
               <a:solidFill>
                 <a:schemeClr val="bg1"/>
               </a:solidFill>
@@ -4622,8 +4789,8 @@
         </p:nvSpPr>
         <p:spPr>
           <a:xfrm>
-            <a:off x="5189816" y="3202101"/>
-            <a:ext cx="800100" cy="584775"/>
+            <a:off x="4603949" y="3202100"/>
+            <a:ext cx="1411368" cy="584775"/>
           </a:xfrm>
           <a:prstGeom prst="rect">
             <a:avLst/>
@@ -4638,18 +4805,13 @@
           <a:p>
             <a:pPr algn="r"/>
             <a:r>
-              <a:rPr lang="en-US" altLang="ko-KR" sz="3200" b="1" dirty="0">
+              <a:rPr lang="ko-KR" altLang="en-US" sz="3200" b="1" dirty="0">
                 <a:solidFill>
                   <a:schemeClr val="bg1"/>
                 </a:solidFill>
               </a:rPr>
-              <a:t>S</a:t>
-            </a:r>
-            <a:endParaRPr lang="ko-KR" altLang="en-US" sz="3200" b="1" dirty="0">
-              <a:solidFill>
-                <a:schemeClr val="bg1"/>
-              </a:solidFill>
-            </a:endParaRPr>
+              <a:t>김수영</a:t>
+            </a:r>
           </a:p>
         </p:txBody>
       </p:sp>
@@ -4667,8 +4829,8 @@
         </p:nvSpPr>
         <p:spPr>
           <a:xfrm>
-            <a:off x="6149174" y="3232878"/>
-            <a:ext cx="800100" cy="523220"/>
+            <a:off x="6187504" y="3202101"/>
+            <a:ext cx="1569724" cy="584775"/>
           </a:xfrm>
           <a:prstGeom prst="rect">
             <a:avLst/>
@@ -4682,7 +4844,7 @@
           <a:lstStyle/>
           <a:p>
             <a:r>
-              <a:rPr lang="en-US" altLang="ko-KR" sz="2800" b="1" dirty="0">
+              <a:rPr lang="ko-KR" altLang="en-US" sz="3200" b="1" dirty="0">
                 <a:solidFill>
                   <a:schemeClr val="tx1">
                     <a:lumMod val="65000"/>
@@ -4690,16 +4852,8 @@
                   </a:schemeClr>
                 </a:solidFill>
               </a:rPr>
-              <a:t>W</a:t>
-            </a:r>
-            <a:endParaRPr lang="ko-KR" altLang="en-US" sz="2800" b="1" dirty="0">
-              <a:solidFill>
-                <a:schemeClr val="tx1">
-                  <a:lumMod val="65000"/>
-                  <a:lumOff val="35000"/>
-                </a:schemeClr>
-              </a:solidFill>
-            </a:endParaRPr>
+              <a:t>박건희</a:t>
+            </a:r>
           </a:p>
         </p:txBody>
       </p:sp>
@@ -4717,8 +4871,8 @@
         </p:nvSpPr>
         <p:spPr>
           <a:xfrm>
-            <a:off x="5215217" y="3768084"/>
-            <a:ext cx="800100" cy="584775"/>
+            <a:off x="4500915" y="3768084"/>
+            <a:ext cx="1514402" cy="584775"/>
           </a:xfrm>
           <a:prstGeom prst="rect">
             <a:avLst/>
@@ -4733,21 +4887,21 @@
           <a:p>
             <a:pPr algn="r"/>
             <a:r>
-              <a:rPr lang="en-US" altLang="ko-KR" sz="3200" b="1" dirty="0">
-                <a:solidFill>
-                  <a:schemeClr val="tx1">
-                    <a:lumMod val="65000"/>
-                    <a:lumOff val="35000"/>
+              <a:rPr lang="ko-KR" altLang="en-US" sz="3200" b="1" i="0" u="none" strike="noStrike" dirty="0">
+                <a:solidFill>
+                  <a:schemeClr val="bg2">
+                    <a:lumMod val="25000"/>
                   </a:schemeClr>
                 </a:solidFill>
-              </a:rPr>
-              <a:t>O</a:t>
+                <a:effectLst/>
+                <a:latin typeface="Arial" panose="020B0604020202020204" pitchFamily="34" charset="0"/>
+              </a:rPr>
+              <a:t>김주원</a:t>
             </a:r>
             <a:endParaRPr lang="ko-KR" altLang="en-US" sz="3200" b="1" dirty="0">
               <a:solidFill>
-                <a:schemeClr val="tx1">
-                  <a:lumMod val="65000"/>
-                  <a:lumOff val="35000"/>
+                <a:schemeClr val="bg2">
+                  <a:lumMod val="25000"/>
                 </a:schemeClr>
               </a:solidFill>
             </a:endParaRPr>
@@ -4768,8 +4922,8 @@
         </p:nvSpPr>
         <p:spPr>
           <a:xfrm>
-            <a:off x="6189645" y="3768084"/>
-            <a:ext cx="800100" cy="584775"/>
+            <a:off x="6189644" y="3768084"/>
+            <a:ext cx="1738911" cy="584775"/>
           </a:xfrm>
           <a:prstGeom prst="rect">
             <a:avLst/>
@@ -4783,18 +4937,13 @@
           <a:lstStyle/>
           <a:p>
             <a:r>
-              <a:rPr lang="en-US" altLang="ko-KR" sz="3200" b="1" dirty="0">
+              <a:rPr lang="ko-KR" altLang="en-US" sz="3200" b="1" dirty="0">
                 <a:solidFill>
                   <a:schemeClr val="bg1"/>
                 </a:solidFill>
               </a:rPr>
-              <a:t>T</a:t>
-            </a:r>
-            <a:endParaRPr lang="ko-KR" altLang="en-US" sz="3200" b="1" dirty="0">
-              <a:solidFill>
-                <a:schemeClr val="bg1"/>
-              </a:solidFill>
-            </a:endParaRPr>
+              <a:t>김태민</a:t>
+            </a:r>
           </a:p>
         </p:txBody>
       </p:sp>
@@ -4897,343 +5046,6 @@
           </a:fontRef>
         </p:style>
       </p:cxnSp>
-      <p:sp>
-        <p:nvSpPr>
-          <p:cNvPr id="18" name="직사각형 17">
-            <a:extLst>
-              <a:ext uri="{FF2B5EF4-FFF2-40B4-BE49-F238E27FC236}">
-                <a16:creationId xmlns:a16="http://schemas.microsoft.com/office/drawing/2014/main" id="{D674E3A5-D57A-4921-8598-5080BC469333}"/>
-              </a:ext>
-            </a:extLst>
-          </p:cNvPr>
-          <p:cNvSpPr/>
-          <p:nvPr/>
-        </p:nvSpPr>
-        <p:spPr>
-          <a:xfrm>
-            <a:off x="771787" y="4085542"/>
-            <a:ext cx="3001036" cy="369332"/>
-          </a:xfrm>
-          <a:prstGeom prst="rect">
-            <a:avLst/>
-          </a:prstGeom>
-        </p:spPr>
-        <p:txBody>
-          <a:bodyPr wrap="square">
-            <a:spAutoFit/>
-          </a:bodyPr>
-          <a:lstStyle/>
-          <a:p>
-            <a:pPr algn="ctr"/>
-            <a:r>
-              <a:rPr lang="en-US" altLang="ko-KR" dirty="0">
-                <a:latin typeface="Arial" panose="020B0604020202020204" pitchFamily="34" charset="0"/>
-                <a:cs typeface="Arial" panose="020B0604020202020204" pitchFamily="34" charset="0"/>
-              </a:rPr>
-              <a:t> </a:t>
-            </a:r>
-            <a:endParaRPr lang="ko-KR" altLang="en-US" dirty="0">
-              <a:latin typeface="Arial" panose="020B0604020202020204" pitchFamily="34" charset="0"/>
-              <a:cs typeface="Arial" panose="020B0604020202020204" pitchFamily="34" charset="0"/>
-            </a:endParaRPr>
-          </a:p>
-        </p:txBody>
-      </p:sp>
-      <p:sp>
-        <p:nvSpPr>
-          <p:cNvPr id="8" name="TextBox 7">
-            <a:extLst>
-              <a:ext uri="{FF2B5EF4-FFF2-40B4-BE49-F238E27FC236}">
-                <a16:creationId xmlns:a16="http://schemas.microsoft.com/office/drawing/2014/main" id="{14427872-0F14-4414-8619-1977BA531276}"/>
-              </a:ext>
-            </a:extLst>
-          </p:cNvPr>
-          <p:cNvSpPr txBox="1"/>
-          <p:nvPr/>
-        </p:nvSpPr>
-        <p:spPr>
-          <a:xfrm>
-            <a:off x="771787" y="1618918"/>
-            <a:ext cx="10019489" cy="4893647"/>
-          </a:xfrm>
-          <a:prstGeom prst="rect">
-            <a:avLst/>
-          </a:prstGeom>
-          <a:noFill/>
-        </p:spPr>
-        <p:txBody>
-          <a:bodyPr wrap="square" rtlCol="0">
-            <a:spAutoFit/>
-          </a:bodyPr>
-          <a:lstStyle/>
-          <a:p>
-            <a:pPr marL="285750" indent="-285750">
-              <a:buFont typeface="Arial" panose="020B0604020202020204" pitchFamily="34" charset="0"/>
-              <a:buChar char="•"/>
-            </a:pPr>
-            <a:r>
-              <a:rPr lang="ko-KR" altLang="en-US" sz="2400" dirty="0"/>
-              <a:t>김주원 </a:t>
-            </a:r>
-            <a:r>
-              <a:rPr lang="en-US" altLang="ko-KR" sz="2400" dirty="0"/>
-              <a:t>: LED </a:t>
-            </a:r>
-            <a:r>
-              <a:rPr lang="ko-KR" altLang="en-US" sz="2400" dirty="0"/>
-              <a:t>제어와 상태 표시</a:t>
-            </a:r>
-            <a:r>
-              <a:rPr lang="en-US" altLang="ko-KR" sz="2400" dirty="0"/>
-              <a:t>, </a:t>
-            </a:r>
-            <a:r>
-              <a:rPr lang="ko-KR" altLang="en-US" sz="2400" dirty="0"/>
-              <a:t>공통 함수</a:t>
-            </a:r>
-            <a:r>
-              <a:rPr lang="en-US" altLang="ko-KR" sz="2400" dirty="0"/>
-              <a:t>, 3</a:t>
-            </a:r>
-            <a:r>
-              <a:rPr lang="ko-KR" altLang="en-US" sz="2400" dirty="0"/>
-              <a:t>차</a:t>
-            </a:r>
-            <a:r>
-              <a:rPr lang="en-US" altLang="ko-KR" sz="2400" dirty="0"/>
-              <a:t> </a:t>
-            </a:r>
-            <a:r>
-              <a:rPr lang="ko-KR" altLang="en-US" sz="2400" dirty="0"/>
-              <a:t>중간 발표 </a:t>
-            </a:r>
-            <a:r>
-              <a:rPr lang="en-US" altLang="ko-KR" sz="2400" dirty="0"/>
-              <a:t>ppt </a:t>
-            </a:r>
-            <a:r>
-              <a:rPr lang="ko-KR" altLang="en-US" sz="2400" dirty="0"/>
-              <a:t>작성과 발표</a:t>
-            </a:r>
-            <a:r>
-              <a:rPr lang="en-US" altLang="ko-KR" sz="2400" dirty="0"/>
-              <a:t>, </a:t>
-            </a:r>
-            <a:r>
-              <a:rPr lang="ko-KR" altLang="en-US" sz="2400" dirty="0"/>
-              <a:t>최종 발표 및 시연 </a:t>
-            </a:r>
-            <a:r>
-              <a:rPr lang="en-US" altLang="ko-KR" sz="2400" dirty="0"/>
-              <a:t>ppt</a:t>
-            </a:r>
-            <a:r>
-              <a:rPr lang="ko-KR" altLang="en-US" sz="2400" dirty="0"/>
-              <a:t> 발표</a:t>
-            </a:r>
-            <a:endParaRPr lang="en-US" altLang="ko-KR" sz="2400" dirty="0"/>
-          </a:p>
-          <a:p>
-            <a:pPr marL="285750" indent="-285750">
-              <a:buFont typeface="Arial" panose="020B0604020202020204" pitchFamily="34" charset="0"/>
-              <a:buChar char="•"/>
-            </a:pPr>
-            <a:endParaRPr lang="en-US" altLang="ko-KR" sz="2400" dirty="0"/>
-          </a:p>
-          <a:p>
-            <a:pPr marL="285750" indent="-285750">
-              <a:buFont typeface="Arial" panose="020B0604020202020204" pitchFamily="34" charset="0"/>
-              <a:buChar char="•"/>
-            </a:pPr>
-            <a:r>
-              <a:rPr lang="ko-KR" altLang="en-US" sz="2400" dirty="0"/>
-              <a:t>김수영</a:t>
-            </a:r>
-            <a:r>
-              <a:rPr lang="en-US" altLang="ko-KR" sz="2400" dirty="0"/>
-              <a:t> : Dot Matrix </a:t>
-            </a:r>
-            <a:r>
-              <a:rPr lang="ko-KR" altLang="en-US" sz="2400" dirty="0"/>
-              <a:t>관련 함수와 게임 로직</a:t>
-            </a:r>
-            <a:r>
-              <a:rPr lang="en-US" altLang="ko-KR" sz="2400" dirty="0"/>
-              <a:t>, 1</a:t>
-            </a:r>
-            <a:r>
-              <a:rPr lang="ko-KR" altLang="en-US" sz="2400" dirty="0"/>
-              <a:t>차 중간 발표 </a:t>
-            </a:r>
-            <a:r>
-              <a:rPr lang="en-US" altLang="ko-KR" sz="2400" dirty="0"/>
-              <a:t>ppt </a:t>
-            </a:r>
-            <a:r>
-              <a:rPr lang="ko-KR" altLang="en-US" sz="2400" dirty="0"/>
-              <a:t>작성과 발표</a:t>
-            </a:r>
-            <a:endParaRPr lang="en-US" altLang="ko-KR" sz="2400" dirty="0"/>
-          </a:p>
-          <a:p>
-            <a:pPr marL="285750" indent="-285750">
-              <a:buFont typeface="Arial" panose="020B0604020202020204" pitchFamily="34" charset="0"/>
-              <a:buChar char="•"/>
-            </a:pPr>
-            <a:endParaRPr lang="en-US" altLang="ko-KR" sz="2400" dirty="0"/>
-          </a:p>
-          <a:p>
-            <a:pPr marL="285750" indent="-285750">
-              <a:buFont typeface="Arial" panose="020B0604020202020204" pitchFamily="34" charset="0"/>
-              <a:buChar char="•"/>
-            </a:pPr>
-            <a:r>
-              <a:rPr lang="ko-KR" altLang="en-US" sz="2400" dirty="0"/>
-              <a:t>박건희 </a:t>
-            </a:r>
-            <a:r>
-              <a:rPr lang="en-US" altLang="ko-KR" sz="2400" dirty="0"/>
-              <a:t>: Character LCD </a:t>
-            </a:r>
-            <a:r>
-              <a:rPr lang="ko-KR" altLang="en-US" sz="2400" dirty="0"/>
-              <a:t>관련 함수와 출력 메시지 제어</a:t>
-            </a:r>
-            <a:r>
-              <a:rPr lang="en-US" altLang="ko-KR" sz="2400" dirty="0"/>
-              <a:t>, </a:t>
-            </a:r>
-            <a:r>
-              <a:rPr lang="ko-KR" altLang="en-US" sz="2400" dirty="0"/>
-              <a:t>게임 로직</a:t>
-            </a:r>
-            <a:r>
-              <a:rPr lang="en-US" altLang="ko-KR" sz="2400" dirty="0"/>
-              <a:t>, 2</a:t>
-            </a:r>
-            <a:r>
-              <a:rPr lang="ko-KR" altLang="en-US" sz="2400" dirty="0"/>
-              <a:t>차 중간 발표 </a:t>
-            </a:r>
-            <a:r>
-              <a:rPr lang="en-US" altLang="ko-KR" sz="2400" dirty="0"/>
-              <a:t>ppt </a:t>
-            </a:r>
-            <a:r>
-              <a:rPr lang="ko-KR" altLang="en-US" sz="2400" dirty="0"/>
-              <a:t>작성과 발표</a:t>
-            </a:r>
-            <a:endParaRPr lang="en-US" altLang="ko-KR" sz="2400" dirty="0"/>
-          </a:p>
-          <a:p>
-            <a:pPr marL="285750" indent="-285750">
-              <a:buFont typeface="Arial" panose="020B0604020202020204" pitchFamily="34" charset="0"/>
-              <a:buChar char="•"/>
-            </a:pPr>
-            <a:endParaRPr lang="en-US" altLang="ko-KR" sz="2400" dirty="0"/>
-          </a:p>
-          <a:p>
-            <a:pPr marL="285750" indent="-285750">
-              <a:buFont typeface="Arial" panose="020B0604020202020204" pitchFamily="34" charset="0"/>
-              <a:buChar char="•"/>
-            </a:pPr>
-            <a:r>
-              <a:rPr lang="ko-KR" altLang="en-US" sz="2400" dirty="0"/>
-              <a:t>김태민 </a:t>
-            </a:r>
-            <a:r>
-              <a:rPr lang="en-US" altLang="ko-KR" sz="2400" dirty="0"/>
-              <a:t>: FND </a:t>
-            </a:r>
-            <a:r>
-              <a:rPr lang="ko-KR" altLang="en-US" sz="2400" dirty="0"/>
-              <a:t>제어와 숫자 표시</a:t>
-            </a:r>
-            <a:r>
-              <a:rPr lang="en-US" altLang="ko-KR" sz="2400" dirty="0"/>
-              <a:t>, </a:t>
-            </a:r>
-            <a:r>
-              <a:rPr lang="ko-KR" altLang="en-US" sz="2400" dirty="0"/>
-              <a:t>공통 함수 및 게임 로직</a:t>
-            </a:r>
-            <a:r>
-              <a:rPr lang="en-US" altLang="ko-KR" sz="2400" dirty="0"/>
-              <a:t>, </a:t>
-            </a:r>
-            <a:r>
-              <a:rPr lang="ko-KR" altLang="en-US" sz="2400" dirty="0"/>
-              <a:t>프로젝트 계획 </a:t>
-            </a:r>
-            <a:r>
-              <a:rPr lang="en-US" altLang="ko-KR" sz="2400" dirty="0"/>
-              <a:t>ppt</a:t>
-            </a:r>
-            <a:r>
-              <a:rPr lang="ko-KR" altLang="en-US" sz="2400" dirty="0"/>
-              <a:t> 작성과 발표</a:t>
-            </a:r>
-            <a:r>
-              <a:rPr lang="en-US" altLang="ko-KR" sz="2400" dirty="0"/>
-              <a:t>,</a:t>
-            </a:r>
-            <a:r>
-              <a:rPr lang="ko-KR" altLang="en-US" sz="2400" dirty="0"/>
-              <a:t> 최종 발표 및 시연 </a:t>
-            </a:r>
-            <a:r>
-              <a:rPr lang="en-US" altLang="ko-KR" sz="2400" dirty="0"/>
-              <a:t>ppt </a:t>
-            </a:r>
-            <a:r>
-              <a:rPr lang="ko-KR" altLang="en-US" sz="2400" dirty="0"/>
-              <a:t>제작</a:t>
-            </a:r>
-            <a:endParaRPr lang="en-US" altLang="ko-KR" sz="2400" dirty="0"/>
-          </a:p>
-          <a:p>
-            <a:endParaRPr lang="en-US" altLang="ko-KR" sz="2400" dirty="0"/>
-          </a:p>
-          <a:p>
-            <a:r>
-              <a:rPr lang="ko-KR" altLang="en-US" sz="2400" dirty="0"/>
-              <a:t>더 </a:t>
-            </a:r>
-            <a:r>
-              <a:rPr lang="ko-KR" altLang="en-US" sz="2400" dirty="0" err="1"/>
-              <a:t>꾸며야할듯</a:t>
-            </a:r>
-            <a:r>
-              <a:rPr lang="en-US" altLang="ko-KR" sz="2400" dirty="0"/>
-              <a:t>. </a:t>
-            </a:r>
-            <a:r>
-              <a:rPr lang="ko-KR" altLang="en-US" sz="2400" dirty="0" err="1"/>
-              <a:t>깔끔해보이게</a:t>
-            </a:r>
-            <a:r>
-              <a:rPr lang="en-US" altLang="ko-KR" sz="2400" dirty="0"/>
-              <a:t>., </a:t>
-            </a:r>
-            <a:r>
-              <a:rPr lang="ko-KR" altLang="en-US" sz="2400" dirty="0"/>
-              <a:t>연한색으로</a:t>
-            </a:r>
-            <a:r>
-              <a:rPr lang="en-US" altLang="ko-KR" sz="2400" dirty="0"/>
-              <a:t>, </a:t>
-            </a:r>
-            <a:r>
-              <a:rPr lang="ko-KR" altLang="en-US" sz="2400" dirty="0"/>
-              <a:t>문장도 심플하게</a:t>
-            </a:r>
-            <a:r>
-              <a:rPr lang="en-US" altLang="ko-KR" sz="2400" dirty="0"/>
-              <a:t>.</a:t>
-            </a:r>
-          </a:p>
-        </p:txBody>
-      </p:sp>
     </p:spTree>
     <p:extLst>
       <p:ext uri="{BB962C8B-B14F-4D97-AF65-F5344CB8AC3E}">
@@ -5561,6 +5373,175 @@
     <p:extLst>
       <p:ext uri="{BB962C8B-B14F-4D97-AF65-F5344CB8AC3E}">
         <p14:creationId xmlns:p14="http://schemas.microsoft.com/office/powerpoint/2010/main" val="665837164"/>
+      </p:ext>
+    </p:extLst>
+  </p:cSld>
+  <p:clrMapOvr>
+    <a:masterClrMapping/>
+  </p:clrMapOvr>
+</p:sld>
+</file>
+
+<file path=ppt/slides/slide12.xml><?xml version="1.0" encoding="utf-8"?>
+<p:sld xmlns:a="http://schemas.openxmlformats.org/drawingml/2006/main" xmlns:r="http://schemas.openxmlformats.org/officeDocument/2006/relationships" xmlns:p="http://schemas.openxmlformats.org/presentationml/2006/main">
+  <p:cSld>
+    <p:spTree>
+      <p:nvGrpSpPr>
+        <p:cNvPr id="1" name=""/>
+        <p:cNvGrpSpPr/>
+        <p:nvPr/>
+      </p:nvGrpSpPr>
+      <p:grpSpPr>
+        <a:xfrm>
+          <a:off x="0" y="0"/>
+          <a:ext cx="0" cy="0"/>
+          <a:chOff x="0" y="0"/>
+          <a:chExt cx="0" cy="0"/>
+        </a:xfrm>
+      </p:grpSpPr>
+      <p:cxnSp>
+        <p:nvCxnSpPr>
+          <p:cNvPr id="3" name="직선 연결선 2">
+            <a:extLst>
+              <a:ext uri="{FF2B5EF4-FFF2-40B4-BE49-F238E27FC236}">
+                <a16:creationId xmlns:a16="http://schemas.microsoft.com/office/drawing/2014/main" id="{F55676F0-C433-4456-BB57-3E5832581EF6}"/>
+              </a:ext>
+            </a:extLst>
+          </p:cNvPr>
+          <p:cNvCxnSpPr/>
+          <p:nvPr/>
+        </p:nvCxnSpPr>
+        <p:spPr>
+          <a:xfrm>
+            <a:off x="3634154" y="2767892"/>
+            <a:ext cx="4923692" cy="0"/>
+          </a:xfrm>
+          <a:prstGeom prst="line">
+            <a:avLst/>
+          </a:prstGeom>
+          <a:ln w="63500">
+            <a:solidFill>
+              <a:schemeClr val="tx2"/>
+            </a:solidFill>
+          </a:ln>
+        </p:spPr>
+        <p:style>
+          <a:lnRef idx="1">
+            <a:schemeClr val="accent1"/>
+          </a:lnRef>
+          <a:fillRef idx="0">
+            <a:schemeClr val="accent1"/>
+          </a:fillRef>
+          <a:effectRef idx="0">
+            <a:schemeClr val="accent1"/>
+          </a:effectRef>
+          <a:fontRef idx="minor">
+            <a:schemeClr val="tx1"/>
+          </a:fontRef>
+        </p:style>
+      </p:cxnSp>
+      <p:cxnSp>
+        <p:nvCxnSpPr>
+          <p:cNvPr id="5" name="직선 연결선 4">
+            <a:extLst>
+              <a:ext uri="{FF2B5EF4-FFF2-40B4-BE49-F238E27FC236}">
+                <a16:creationId xmlns:a16="http://schemas.microsoft.com/office/drawing/2014/main" id="{D3691A12-0DD2-46C8-AA88-68CCF5455840}"/>
+              </a:ext>
+            </a:extLst>
+          </p:cNvPr>
+          <p:cNvCxnSpPr/>
+          <p:nvPr/>
+        </p:nvCxnSpPr>
+        <p:spPr>
+          <a:xfrm>
+            <a:off x="3634154" y="3953021"/>
+            <a:ext cx="4923692" cy="0"/>
+          </a:xfrm>
+          <a:prstGeom prst="line">
+            <a:avLst/>
+          </a:prstGeom>
+          <a:ln w="63500">
+            <a:solidFill>
+              <a:schemeClr val="tx2"/>
+            </a:solidFill>
+          </a:ln>
+        </p:spPr>
+        <p:style>
+          <a:lnRef idx="1">
+            <a:schemeClr val="accent1"/>
+          </a:lnRef>
+          <a:fillRef idx="0">
+            <a:schemeClr val="accent1"/>
+          </a:fillRef>
+          <a:effectRef idx="0">
+            <a:schemeClr val="accent1"/>
+          </a:effectRef>
+          <a:fontRef idx="minor">
+            <a:schemeClr val="tx1"/>
+          </a:fontRef>
+        </p:style>
+      </p:cxnSp>
+      <p:sp>
+        <p:nvSpPr>
+          <p:cNvPr id="6" name="TextBox 5">
+            <a:extLst>
+              <a:ext uri="{FF2B5EF4-FFF2-40B4-BE49-F238E27FC236}">
+                <a16:creationId xmlns:a16="http://schemas.microsoft.com/office/drawing/2014/main" id="{C7B00371-8BBF-468F-BAB5-3B58CE59B669}"/>
+              </a:ext>
+            </a:extLst>
+          </p:cNvPr>
+          <p:cNvSpPr txBox="1"/>
+          <p:nvPr/>
+        </p:nvSpPr>
+        <p:spPr>
+          <a:xfrm>
+            <a:off x="4732485" y="3105834"/>
+            <a:ext cx="2621230" cy="646331"/>
+          </a:xfrm>
+          <a:prstGeom prst="rect">
+            <a:avLst/>
+          </a:prstGeom>
+          <a:noFill/>
+        </p:spPr>
+        <p:txBody>
+          <a:bodyPr wrap="none" rtlCol="0">
+            <a:spAutoFit/>
+          </a:bodyPr>
+          <a:lstStyle/>
+          <a:p>
+            <a:r>
+              <a:rPr lang="ko-KR" altLang="en-US" sz="3600" dirty="0">
+                <a:solidFill>
+                  <a:schemeClr val="tx2">
+                    <a:lumMod val="50000"/>
+                  </a:schemeClr>
+                </a:solidFill>
+                <a:latin typeface="Arial" panose="020B0604020202020204" pitchFamily="34" charset="0"/>
+                <a:ea typeface="나눔스퀘어 ExtraBold" panose="020B0600000101010101" pitchFamily="50" charset="-127"/>
+                <a:cs typeface="Arial" panose="020B0604020202020204" pitchFamily="34" charset="0"/>
+              </a:rPr>
+              <a:t>감사합니다</a:t>
+            </a:r>
+            <a:r>
+              <a:rPr lang="en-US" altLang="ko-KR" sz="3600" dirty="0">
+                <a:solidFill>
+                  <a:schemeClr val="tx2">
+                    <a:lumMod val="50000"/>
+                  </a:schemeClr>
+                </a:solidFill>
+                <a:latin typeface="Arial" panose="020B0604020202020204" pitchFamily="34" charset="0"/>
+                <a:ea typeface="나눔스퀘어 ExtraBold" panose="020B0600000101010101" pitchFamily="50" charset="-127"/>
+                <a:cs typeface="Arial" panose="020B0604020202020204" pitchFamily="34" charset="0"/>
+              </a:rPr>
+              <a:t>.</a:t>
+            </a:r>
+          </a:p>
+        </p:txBody>
+      </p:sp>
+    </p:spTree>
+    <p:extLst>
+      <p:ext uri="{BB962C8B-B14F-4D97-AF65-F5344CB8AC3E}">
+        <p14:creationId xmlns:p14="http://schemas.microsoft.com/office/powerpoint/2010/main" val="2543448400"/>
       </p:ext>
     </p:extLst>
   </p:cSld>
@@ -6520,8 +6501,8 @@
               <a:rPr lang="ko-KR" altLang="en-US" b="1" dirty="0">
                 <a:solidFill>
                   <a:schemeClr val="tx1">
-                    <a:lumMod val="65000"/>
-                    <a:lumOff val="35000"/>
+                    <a:lumMod val="75000"/>
+                    <a:lumOff val="25000"/>
                   </a:schemeClr>
                 </a:solidFill>
               </a:rPr>
@@ -6625,8 +6606,8 @@
               <a:rPr lang="ko-KR" altLang="en-US" b="1" dirty="0">
                 <a:solidFill>
                   <a:schemeClr val="tx1">
-                    <a:lumMod val="65000"/>
-                    <a:lumOff val="35000"/>
+                    <a:lumMod val="75000"/>
+                    <a:lumOff val="25000"/>
                   </a:schemeClr>
                 </a:solidFill>
               </a:rPr>
@@ -6656,10 +6637,7 @@
             <a:avLst/>
           </a:prstGeom>
           <a:solidFill>
-            <a:schemeClr val="accent1">
-              <a:lumMod val="60000"/>
-              <a:lumOff val="40000"/>
-            </a:schemeClr>
+            <a:srgbClr val="7395D3"/>
           </a:solidFill>
           <a:ln>
             <a:noFill/>
@@ -6688,10 +6666,7 @@
             <a:pPr algn="ctr"/>
             <a:endParaRPr lang="ko-KR" altLang="en-US" b="1">
               <a:solidFill>
-                <a:schemeClr val="tx1">
-                  <a:lumMod val="65000"/>
-                  <a:lumOff val="35000"/>
-                </a:schemeClr>
+                <a:srgbClr val="8FAADC"/>
               </a:solidFill>
             </a:endParaRPr>
           </a:p>
@@ -10424,6 +10399,36 @@
               <a:schemeClr val="tx1"/>
             </a:solidFill>
           </a:ln>
+        </p:spPr>
+      </p:pic>
+      <p:pic>
+        <p:nvPicPr>
+          <p:cNvPr id="7" name="그림 6">
+            <a:extLst>
+              <a:ext uri="{FF2B5EF4-FFF2-40B4-BE49-F238E27FC236}">
+                <a16:creationId xmlns:a16="http://schemas.microsoft.com/office/drawing/2014/main" id="{5DC94D23-52C4-440A-BA0C-ACC0ED903FC4}"/>
+              </a:ext>
+            </a:extLst>
+          </p:cNvPr>
+          <p:cNvPicPr>
+            <a:picLocks noChangeAspect="1"/>
+          </p:cNvPicPr>
+          <p:nvPr/>
+        </p:nvPicPr>
+        <p:blipFill>
+          <a:blip r:embed="rId4"/>
+          <a:stretch>
+            <a:fillRect/>
+          </a:stretch>
+        </p:blipFill>
+        <p:spPr>
+          <a:xfrm>
+            <a:off x="592253" y="2530577"/>
+            <a:ext cx="5055515" cy="3211531"/>
+          </a:xfrm>
+          <a:prstGeom prst="rect">
+            <a:avLst/>
+          </a:prstGeom>
         </p:spPr>
       </p:pic>
     </p:spTree>
